--- a/End-to-end Monitoring.pptx
+++ b/End-to-end Monitoring.pptx
@@ -12,6 +12,18 @@
     <p:sldId id="260" r:id="rId6"/>
     <p:sldId id="261" r:id="rId7"/>
     <p:sldId id="262" r:id="rId8"/>
+    <p:sldId id="263" r:id="rId9"/>
+    <p:sldId id="264" r:id="rId10"/>
+    <p:sldId id="265" r:id="rId11"/>
+    <p:sldId id="266" r:id="rId12"/>
+    <p:sldId id="267" r:id="rId13"/>
+    <p:sldId id="268" r:id="rId14"/>
+    <p:sldId id="269" r:id="rId15"/>
+    <p:sldId id="270" r:id="rId16"/>
+    <p:sldId id="271" r:id="rId17"/>
+    <p:sldId id="272" r:id="rId18"/>
+    <p:sldId id="274" r:id="rId19"/>
+    <p:sldId id="273" r:id="rId20"/>
   </p:sldIdLst>
   <p:sldSz cx="9144000" cy="6858000" type="screen4x3"/>
   <p:notesSz cx="6858000" cy="9144000"/>
@@ -3201,6 +3213,1068 @@
 </p:sld>
 </file>
 
+<file path=ppt/slides/slide10.xml><?xml version="1.0" encoding="utf-8"?>
+<p:sld xmlns:a="http://schemas.openxmlformats.org/drawingml/2006/main" xmlns:r="http://schemas.openxmlformats.org/officeDocument/2006/relationships" xmlns:p="http://schemas.openxmlformats.org/presentationml/2006/main">
+  <p:cSld>
+    <p:spTree>
+      <p:nvGrpSpPr>
+        <p:cNvPr id="1" name=""/>
+        <p:cNvGrpSpPr/>
+        <p:nvPr/>
+      </p:nvGrpSpPr>
+      <p:grpSpPr>
+        <a:xfrm>
+          <a:off x="0" y="0"/>
+          <a:ext cx="0" cy="0"/>
+          <a:chOff x="0" y="0"/>
+          <a:chExt cx="0" cy="0"/>
+        </a:xfrm>
+      </p:grpSpPr>
+      <p:sp>
+        <p:nvSpPr>
+          <p:cNvPr id="2" name="Title 1"/>
+          <p:cNvSpPr>
+            <a:spLocks noGrp="1"/>
+          </p:cNvSpPr>
+          <p:nvPr>
+            <p:ph type="title"/>
+          </p:nvPr>
+        </p:nvSpPr>
+        <p:spPr/>
+        <p:txBody>
+          <a:bodyPr/>
+          <a:lstStyle/>
+          <a:p>
+            <a:r>
+              <a:rPr lang="de-CH" dirty="0" smtClean="0"/>
+              <a:t>Web Service Level Agreements (I)</a:t>
+            </a:r>
+            <a:endParaRPr lang="en-US" dirty="0"/>
+          </a:p>
+        </p:txBody>
+      </p:sp>
+      <p:sp>
+        <p:nvSpPr>
+          <p:cNvPr id="3" name="Content Placeholder 2"/>
+          <p:cNvSpPr>
+            <a:spLocks noGrp="1"/>
+          </p:cNvSpPr>
+          <p:nvPr>
+            <p:ph idx="1"/>
+          </p:nvPr>
+        </p:nvSpPr>
+        <p:spPr/>
+        <p:txBody>
+          <a:bodyPr/>
+          <a:lstStyle/>
+          <a:p>
+            <a:r>
+              <a:rPr lang="de-CH" dirty="0" smtClean="0"/>
+              <a:t>SOA</a:t>
+            </a:r>
+          </a:p>
+          <a:p>
+            <a:r>
+              <a:rPr lang="de-CH" dirty="0" smtClean="0"/>
+              <a:t>Maschinenlesbare SLAs</a:t>
+            </a:r>
+          </a:p>
+          <a:p>
+            <a:r>
+              <a:rPr lang="de-CH" dirty="0" smtClean="0"/>
+              <a:t>Integration mit eCommerce-Systemen</a:t>
+            </a:r>
+          </a:p>
+          <a:p>
+            <a:pPr lvl="1"/>
+            <a:r>
+              <a:rPr lang="de-CH" dirty="0" smtClean="0"/>
+              <a:t>Bewerbung/Verkauf von Services</a:t>
+            </a:r>
+          </a:p>
+          <a:p>
+            <a:pPr lvl="1"/>
+            <a:r>
+              <a:rPr lang="de-CH" dirty="0" smtClean="0"/>
+              <a:t>Matchmaking</a:t>
+            </a:r>
+          </a:p>
+          <a:p>
+            <a:pPr lvl="1"/>
+            <a:r>
+              <a:rPr lang="de-CH" dirty="0" smtClean="0"/>
+              <a:t>Automatisierte Verhandlung</a:t>
+            </a:r>
+          </a:p>
+          <a:p>
+            <a:pPr lvl="1"/>
+            <a:r>
+              <a:rPr lang="de-CH" dirty="0" smtClean="0"/>
+              <a:t>Verknüpfung von Business-Prozessen über Organisationsgrenzen (ebXML)</a:t>
+            </a:r>
+            <a:endParaRPr lang="en-US" dirty="0"/>
+          </a:p>
+        </p:txBody>
+      </p:sp>
+    </p:spTree>
+    <p:extLst>
+      <p:ext uri="{BB962C8B-B14F-4D97-AF65-F5344CB8AC3E}">
+        <p14:creationId xmlns:p14="http://schemas.microsoft.com/office/powerpoint/2010/main" val="2555072798"/>
+      </p:ext>
+    </p:extLst>
+  </p:cSld>
+  <p:clrMapOvr>
+    <a:masterClrMapping/>
+  </p:clrMapOvr>
+  <p:timing>
+    <p:tnLst>
+      <p:par>
+        <p:cTn id="1" dur="indefinite" restart="never" nodeType="tmRoot"/>
+      </p:par>
+    </p:tnLst>
+  </p:timing>
+</p:sld>
+</file>
+
+<file path=ppt/slides/slide11.xml><?xml version="1.0" encoding="utf-8"?>
+<p:sld xmlns:a="http://schemas.openxmlformats.org/drawingml/2006/main" xmlns:r="http://schemas.openxmlformats.org/officeDocument/2006/relationships" xmlns:p="http://schemas.openxmlformats.org/presentationml/2006/main">
+  <p:cSld>
+    <p:spTree>
+      <p:nvGrpSpPr>
+        <p:cNvPr id="1" name=""/>
+        <p:cNvGrpSpPr/>
+        <p:nvPr/>
+      </p:nvGrpSpPr>
+      <p:grpSpPr>
+        <a:xfrm>
+          <a:off x="0" y="0"/>
+          <a:ext cx="0" cy="0"/>
+          <a:chOff x="0" y="0"/>
+          <a:chExt cx="0" cy="0"/>
+        </a:xfrm>
+      </p:grpSpPr>
+      <p:sp>
+        <p:nvSpPr>
+          <p:cNvPr id="2" name="Title 1"/>
+          <p:cNvSpPr>
+            <a:spLocks noGrp="1"/>
+          </p:cNvSpPr>
+          <p:nvPr>
+            <p:ph type="title"/>
+          </p:nvPr>
+        </p:nvSpPr>
+        <p:spPr/>
+        <p:txBody>
+          <a:bodyPr/>
+          <a:lstStyle/>
+          <a:p>
+            <a:r>
+              <a:rPr lang="de-CH" dirty="0" smtClean="0"/>
+              <a:t>Web Service Level Agreements (II)</a:t>
+            </a:r>
+            <a:endParaRPr lang="en-US" dirty="0"/>
+          </a:p>
+        </p:txBody>
+      </p:sp>
+      <p:sp>
+        <p:nvSpPr>
+          <p:cNvPr id="3" name="Content Placeholder 2"/>
+          <p:cNvSpPr>
+            <a:spLocks noGrp="1"/>
+          </p:cNvSpPr>
+          <p:nvPr>
+            <p:ph idx="1"/>
+          </p:nvPr>
+        </p:nvSpPr>
+        <p:spPr/>
+        <p:txBody>
+          <a:bodyPr/>
+          <a:lstStyle/>
+          <a:p>
+            <a:r>
+              <a:rPr lang="de-CH" dirty="0" smtClean="0"/>
+              <a:t>Drittparteien für Überwachung</a:t>
+            </a:r>
+          </a:p>
+          <a:p>
+            <a:r>
+              <a:rPr lang="de-CH" dirty="0" smtClean="0"/>
+              <a:t>Need-to-know Principle</a:t>
+            </a:r>
+          </a:p>
+          <a:p>
+            <a:r>
+              <a:rPr lang="de-CH" dirty="0" smtClean="0"/>
+              <a:t>SLA-getriebene Konfiguration von verwalteten Ressourcen</a:t>
+            </a:r>
+          </a:p>
+          <a:p>
+            <a:pPr lvl="1"/>
+            <a:r>
+              <a:rPr lang="de-CH" dirty="0" smtClean="0"/>
+              <a:t>Komponenten-SLOs</a:t>
+            </a:r>
+          </a:p>
+          <a:p>
+            <a:pPr lvl="1"/>
+            <a:r>
+              <a:rPr lang="de-CH" dirty="0" smtClean="0"/>
+              <a:t>MIB-RFC für SLA-Performancemessung</a:t>
+            </a:r>
+            <a:endParaRPr lang="en-US" dirty="0"/>
+          </a:p>
+        </p:txBody>
+      </p:sp>
+    </p:spTree>
+    <p:extLst>
+      <p:ext uri="{BB962C8B-B14F-4D97-AF65-F5344CB8AC3E}">
+        <p14:creationId xmlns:p14="http://schemas.microsoft.com/office/powerpoint/2010/main" val="3380265042"/>
+      </p:ext>
+    </p:extLst>
+  </p:cSld>
+  <p:clrMapOvr>
+    <a:masterClrMapping/>
+  </p:clrMapOvr>
+  <p:timing>
+    <p:tnLst>
+      <p:par>
+        <p:cTn id="1" dur="indefinite" restart="never" nodeType="tmRoot"/>
+      </p:par>
+    </p:tnLst>
+  </p:timing>
+</p:sld>
+</file>
+
+<file path=ppt/slides/slide12.xml><?xml version="1.0" encoding="utf-8"?>
+<p:sld xmlns:a="http://schemas.openxmlformats.org/drawingml/2006/main" xmlns:r="http://schemas.openxmlformats.org/officeDocument/2006/relationships" xmlns:p="http://schemas.openxmlformats.org/presentationml/2006/main">
+  <p:cSld>
+    <p:spTree>
+      <p:nvGrpSpPr>
+        <p:cNvPr id="1" name=""/>
+        <p:cNvGrpSpPr/>
+        <p:nvPr/>
+      </p:nvGrpSpPr>
+      <p:grpSpPr>
+        <a:xfrm>
+          <a:off x="0" y="0"/>
+          <a:ext cx="0" cy="0"/>
+          <a:chOff x="0" y="0"/>
+          <a:chExt cx="0" cy="0"/>
+        </a:xfrm>
+      </p:grpSpPr>
+      <p:sp>
+        <p:nvSpPr>
+          <p:cNvPr id="2" name="Title 1"/>
+          <p:cNvSpPr>
+            <a:spLocks noGrp="1"/>
+          </p:cNvSpPr>
+          <p:nvPr>
+            <p:ph type="title"/>
+          </p:nvPr>
+        </p:nvSpPr>
+        <p:spPr/>
+        <p:txBody>
+          <a:bodyPr/>
+          <a:lstStyle/>
+          <a:p>
+            <a:r>
+              <a:rPr lang="de-CH" dirty="0" smtClean="0"/>
+              <a:t>Web Service Level Agreements (III)</a:t>
+            </a:r>
+            <a:endParaRPr lang="en-US" dirty="0"/>
+          </a:p>
+        </p:txBody>
+      </p:sp>
+      <p:pic>
+        <p:nvPicPr>
+          <p:cNvPr id="8" name="Content Placeholder 7"/>
+          <p:cNvPicPr>
+            <a:picLocks noGrp="1" noChangeAspect="1"/>
+          </p:cNvPicPr>
+          <p:nvPr>
+            <p:ph idx="1"/>
+          </p:nvPr>
+        </p:nvPicPr>
+        <p:blipFill>
+          <a:blip r:embed="rId2">
+            <a:extLst>
+              <a:ext uri="{28A0092B-C50C-407E-A947-70E740481C1C}">
+                <a14:useLocalDpi xmlns:a14="http://schemas.microsoft.com/office/drawing/2010/main" val="0"/>
+              </a:ext>
+            </a:extLst>
+          </a:blip>
+          <a:stretch>
+            <a:fillRect/>
+          </a:stretch>
+        </p:blipFill>
+        <p:spPr>
+          <a:xfrm>
+            <a:off x="1732180" y="1600200"/>
+            <a:ext cx="5679640" cy="4525963"/>
+          </a:xfrm>
+        </p:spPr>
+      </p:pic>
+    </p:spTree>
+    <p:extLst>
+      <p:ext uri="{BB962C8B-B14F-4D97-AF65-F5344CB8AC3E}">
+        <p14:creationId xmlns:p14="http://schemas.microsoft.com/office/powerpoint/2010/main" val="151439739"/>
+      </p:ext>
+    </p:extLst>
+  </p:cSld>
+  <p:clrMapOvr>
+    <a:masterClrMapping/>
+  </p:clrMapOvr>
+  <p:timing>
+    <p:tnLst>
+      <p:par>
+        <p:cTn id="1" dur="indefinite" restart="never" nodeType="tmRoot"/>
+      </p:par>
+    </p:tnLst>
+  </p:timing>
+</p:sld>
+</file>
+
+<file path=ppt/slides/slide13.xml><?xml version="1.0" encoding="utf-8"?>
+<p:sld xmlns:a="http://schemas.openxmlformats.org/drawingml/2006/main" xmlns:r="http://schemas.openxmlformats.org/officeDocument/2006/relationships" xmlns:p="http://schemas.openxmlformats.org/presentationml/2006/main">
+  <p:cSld>
+    <p:spTree>
+      <p:nvGrpSpPr>
+        <p:cNvPr id="1" name=""/>
+        <p:cNvGrpSpPr/>
+        <p:nvPr/>
+      </p:nvGrpSpPr>
+      <p:grpSpPr>
+        <a:xfrm>
+          <a:off x="0" y="0"/>
+          <a:ext cx="0" cy="0"/>
+          <a:chOff x="0" y="0"/>
+          <a:chExt cx="0" cy="0"/>
+        </a:xfrm>
+      </p:grpSpPr>
+      <p:sp>
+        <p:nvSpPr>
+          <p:cNvPr id="2" name="Title 1"/>
+          <p:cNvSpPr>
+            <a:spLocks noGrp="1"/>
+          </p:cNvSpPr>
+          <p:nvPr>
+            <p:ph type="title"/>
+          </p:nvPr>
+        </p:nvSpPr>
+        <p:spPr/>
+        <p:txBody>
+          <a:bodyPr/>
+          <a:lstStyle/>
+          <a:p>
+            <a:r>
+              <a:rPr lang="de-CH" dirty="0" smtClean="0"/>
+              <a:t>IT-Leistungskataloge (I)</a:t>
+            </a:r>
+            <a:endParaRPr lang="en-US" dirty="0"/>
+          </a:p>
+        </p:txBody>
+      </p:sp>
+      <p:sp>
+        <p:nvSpPr>
+          <p:cNvPr id="3" name="Content Placeholder 2"/>
+          <p:cNvSpPr>
+            <a:spLocks noGrp="1"/>
+          </p:cNvSpPr>
+          <p:nvPr>
+            <p:ph idx="1"/>
+          </p:nvPr>
+        </p:nvSpPr>
+        <p:spPr/>
+        <p:txBody>
+          <a:bodyPr/>
+          <a:lstStyle/>
+          <a:p>
+            <a:r>
+              <a:rPr lang="de-CH" dirty="0" smtClean="0"/>
+              <a:t>(Interaktiv)</a:t>
+            </a:r>
+          </a:p>
+          <a:p>
+            <a:r>
+              <a:rPr lang="de-CH" dirty="0" smtClean="0"/>
+              <a:t>Beschreibung der Leistung</a:t>
+            </a:r>
+          </a:p>
+          <a:p>
+            <a:r>
+              <a:rPr lang="de-CH" dirty="0" smtClean="0"/>
+              <a:t>Zeitrahmen für Erbringung oder SLA</a:t>
+            </a:r>
+          </a:p>
+          <a:p>
+            <a:r>
+              <a:rPr lang="de-CH" dirty="0" smtClean="0"/>
+              <a:t>Bezugsberechtigte Personen/Gruppen</a:t>
+            </a:r>
+          </a:p>
+          <a:p>
+            <a:r>
+              <a:rPr lang="de-CH" dirty="0" smtClean="0"/>
+              <a:t>(Kosten)</a:t>
+            </a:r>
+          </a:p>
+          <a:p>
+            <a:r>
+              <a:rPr lang="de-CH" dirty="0" smtClean="0"/>
+              <a:t>Beschreibung des Resultats</a:t>
+            </a:r>
+            <a:endParaRPr lang="en-US" dirty="0"/>
+          </a:p>
+        </p:txBody>
+      </p:sp>
+    </p:spTree>
+    <p:extLst>
+      <p:ext uri="{BB962C8B-B14F-4D97-AF65-F5344CB8AC3E}">
+        <p14:creationId xmlns:p14="http://schemas.microsoft.com/office/powerpoint/2010/main" val="2527522863"/>
+      </p:ext>
+    </p:extLst>
+  </p:cSld>
+  <p:clrMapOvr>
+    <a:masterClrMapping/>
+  </p:clrMapOvr>
+  <p:timing>
+    <p:tnLst>
+      <p:par>
+        <p:cTn id="1" dur="indefinite" restart="never" nodeType="tmRoot"/>
+      </p:par>
+    </p:tnLst>
+  </p:timing>
+</p:sld>
+</file>
+
+<file path=ppt/slides/slide14.xml><?xml version="1.0" encoding="utf-8"?>
+<p:sld xmlns:a="http://schemas.openxmlformats.org/drawingml/2006/main" xmlns:r="http://schemas.openxmlformats.org/officeDocument/2006/relationships" xmlns:p="http://schemas.openxmlformats.org/presentationml/2006/main">
+  <p:cSld>
+    <p:spTree>
+      <p:nvGrpSpPr>
+        <p:cNvPr id="1" name=""/>
+        <p:cNvGrpSpPr/>
+        <p:nvPr/>
+      </p:nvGrpSpPr>
+      <p:grpSpPr>
+        <a:xfrm>
+          <a:off x="0" y="0"/>
+          <a:ext cx="0" cy="0"/>
+          <a:chOff x="0" y="0"/>
+          <a:chExt cx="0" cy="0"/>
+        </a:xfrm>
+      </p:grpSpPr>
+      <p:sp>
+        <p:nvSpPr>
+          <p:cNvPr id="2" name="Title 1"/>
+          <p:cNvSpPr>
+            <a:spLocks noGrp="1"/>
+          </p:cNvSpPr>
+          <p:nvPr>
+            <p:ph type="title"/>
+          </p:nvPr>
+        </p:nvSpPr>
+        <p:spPr/>
+        <p:txBody>
+          <a:bodyPr/>
+          <a:lstStyle/>
+          <a:p>
+            <a:r>
+              <a:rPr lang="de-CH" dirty="0" smtClean="0"/>
+              <a:t>IT-Leistungskataloge (II)</a:t>
+            </a:r>
+            <a:endParaRPr lang="en-US" dirty="0"/>
+          </a:p>
+        </p:txBody>
+      </p:sp>
+      <p:sp>
+        <p:nvSpPr>
+          <p:cNvPr id="3" name="Content Placeholder 2"/>
+          <p:cNvSpPr>
+            <a:spLocks noGrp="1"/>
+          </p:cNvSpPr>
+          <p:nvPr>
+            <p:ph idx="1"/>
+          </p:nvPr>
+        </p:nvSpPr>
+        <p:spPr/>
+        <p:txBody>
+          <a:bodyPr/>
+          <a:lstStyle/>
+          <a:p>
+            <a:r>
+              <a:rPr lang="de-CH" dirty="0" smtClean="0"/>
+              <a:t>Voraussage der Zeit bis zum Abschluss</a:t>
+            </a:r>
+          </a:p>
+          <a:p>
+            <a:r>
+              <a:rPr lang="de-CH" dirty="0" smtClean="0"/>
+              <a:t>Anreize zur Durchlaufzeit-Erhöhung:</a:t>
+            </a:r>
+          </a:p>
+          <a:p>
+            <a:pPr lvl="1"/>
+            <a:r>
+              <a:rPr lang="de-CH" dirty="0" smtClean="0"/>
+              <a:t>Teilung der Kosten bei SLA-Verletzung</a:t>
+            </a:r>
+            <a:endParaRPr lang="de-CH" dirty="0"/>
+          </a:p>
+          <a:p>
+            <a:pPr lvl="1"/>
+            <a:r>
+              <a:rPr lang="de-CH" dirty="0" smtClean="0"/>
+              <a:t>…</a:t>
+            </a:r>
+          </a:p>
+        </p:txBody>
+      </p:sp>
+    </p:spTree>
+    <p:extLst>
+      <p:ext uri="{BB962C8B-B14F-4D97-AF65-F5344CB8AC3E}">
+        <p14:creationId xmlns:p14="http://schemas.microsoft.com/office/powerpoint/2010/main" val="2078473978"/>
+      </p:ext>
+    </p:extLst>
+  </p:cSld>
+  <p:clrMapOvr>
+    <a:masterClrMapping/>
+  </p:clrMapOvr>
+  <p:timing>
+    <p:tnLst>
+      <p:par>
+        <p:cTn id="1" dur="indefinite" restart="never" nodeType="tmRoot"/>
+      </p:par>
+    </p:tnLst>
+  </p:timing>
+</p:sld>
+</file>
+
+<file path=ppt/slides/slide15.xml><?xml version="1.0" encoding="utf-8"?>
+<p:sld xmlns:a="http://schemas.openxmlformats.org/drawingml/2006/main" xmlns:r="http://schemas.openxmlformats.org/officeDocument/2006/relationships" xmlns:p="http://schemas.openxmlformats.org/presentationml/2006/main">
+  <p:cSld>
+    <p:spTree>
+      <p:nvGrpSpPr>
+        <p:cNvPr id="1" name=""/>
+        <p:cNvGrpSpPr/>
+        <p:nvPr/>
+      </p:nvGrpSpPr>
+      <p:grpSpPr>
+        <a:xfrm>
+          <a:off x="0" y="0"/>
+          <a:ext cx="0" cy="0"/>
+          <a:chOff x="0" y="0"/>
+          <a:chExt cx="0" cy="0"/>
+        </a:xfrm>
+      </p:grpSpPr>
+      <p:sp>
+        <p:nvSpPr>
+          <p:cNvPr id="2" name="Title 1"/>
+          <p:cNvSpPr>
+            <a:spLocks noGrp="1"/>
+          </p:cNvSpPr>
+          <p:nvPr>
+            <p:ph type="title"/>
+          </p:nvPr>
+        </p:nvSpPr>
+        <p:spPr/>
+        <p:txBody>
+          <a:bodyPr/>
+          <a:lstStyle/>
+          <a:p>
+            <a:r>
+              <a:rPr lang="de-CH" dirty="0" smtClean="0"/>
+              <a:t>Auswirkungen auf Outsourcing (I)</a:t>
+            </a:r>
+            <a:endParaRPr lang="en-US" dirty="0"/>
+          </a:p>
+        </p:txBody>
+      </p:sp>
+      <p:sp>
+        <p:nvSpPr>
+          <p:cNvPr id="3" name="Content Placeholder 2"/>
+          <p:cNvSpPr>
+            <a:spLocks noGrp="1"/>
+          </p:cNvSpPr>
+          <p:nvPr>
+            <p:ph idx="1"/>
+          </p:nvPr>
+        </p:nvSpPr>
+        <p:spPr/>
+        <p:txBody>
+          <a:bodyPr/>
+          <a:lstStyle/>
+          <a:p>
+            <a:r>
+              <a:rPr lang="de-CH" dirty="0" smtClean="0"/>
+              <a:t>Fortschritt der IT führt zu</a:t>
+            </a:r>
+          </a:p>
+          <a:p>
+            <a:pPr lvl="1"/>
+            <a:r>
+              <a:rPr lang="de-CH" dirty="0" smtClean="0"/>
+              <a:t>Steigende Abhängigkeit des Business</a:t>
+            </a:r>
+          </a:p>
+          <a:p>
+            <a:pPr lvl="1"/>
+            <a:r>
+              <a:rPr lang="de-CH" dirty="0" smtClean="0"/>
+              <a:t>Steigender Kostendruck durch externe Anbieter</a:t>
+            </a:r>
+          </a:p>
+          <a:p>
+            <a:r>
+              <a:rPr lang="de-CH" dirty="0" smtClean="0"/>
+              <a:t>End-to-end Monitoring führt zu</a:t>
+            </a:r>
+          </a:p>
+          <a:p>
+            <a:pPr lvl="1"/>
+            <a:r>
+              <a:rPr lang="de-CH" dirty="0" smtClean="0"/>
+              <a:t>Erhöhter Transparenz</a:t>
+            </a:r>
+          </a:p>
+          <a:p>
+            <a:pPr lvl="1"/>
+            <a:r>
+              <a:rPr lang="de-CH" dirty="0" smtClean="0"/>
+              <a:t>Austauschbarkeit</a:t>
+            </a:r>
+          </a:p>
+          <a:p>
+            <a:pPr lvl="1"/>
+            <a:r>
+              <a:rPr lang="de-CH" dirty="0" smtClean="0"/>
+              <a:t>Transition von interner IT vom Kosten- zum Profitcenter</a:t>
+            </a:r>
+          </a:p>
+        </p:txBody>
+      </p:sp>
+    </p:spTree>
+    <p:extLst>
+      <p:ext uri="{BB962C8B-B14F-4D97-AF65-F5344CB8AC3E}">
+        <p14:creationId xmlns:p14="http://schemas.microsoft.com/office/powerpoint/2010/main" val="1295113487"/>
+      </p:ext>
+    </p:extLst>
+  </p:cSld>
+  <p:clrMapOvr>
+    <a:masterClrMapping/>
+  </p:clrMapOvr>
+  <p:timing>
+    <p:tnLst>
+      <p:par>
+        <p:cTn id="1" dur="indefinite" restart="never" nodeType="tmRoot"/>
+      </p:par>
+    </p:tnLst>
+  </p:timing>
+</p:sld>
+</file>
+
+<file path=ppt/slides/slide16.xml><?xml version="1.0" encoding="utf-8"?>
+<p:sld xmlns:a="http://schemas.openxmlformats.org/drawingml/2006/main" xmlns:r="http://schemas.openxmlformats.org/officeDocument/2006/relationships" xmlns:p="http://schemas.openxmlformats.org/presentationml/2006/main">
+  <p:cSld>
+    <p:spTree>
+      <p:nvGrpSpPr>
+        <p:cNvPr id="1" name=""/>
+        <p:cNvGrpSpPr/>
+        <p:nvPr/>
+      </p:nvGrpSpPr>
+      <p:grpSpPr>
+        <a:xfrm>
+          <a:off x="0" y="0"/>
+          <a:ext cx="0" cy="0"/>
+          <a:chOff x="0" y="0"/>
+          <a:chExt cx="0" cy="0"/>
+        </a:xfrm>
+      </p:grpSpPr>
+      <p:sp>
+        <p:nvSpPr>
+          <p:cNvPr id="2" name="Title 1"/>
+          <p:cNvSpPr>
+            <a:spLocks noGrp="1"/>
+          </p:cNvSpPr>
+          <p:nvPr>
+            <p:ph type="title"/>
+          </p:nvPr>
+        </p:nvSpPr>
+        <p:spPr/>
+        <p:txBody>
+          <a:bodyPr/>
+          <a:lstStyle/>
+          <a:p>
+            <a:r>
+              <a:rPr lang="de-CH" dirty="0" smtClean="0"/>
+              <a:t>Auswirkungen auf Outsourcing (II)</a:t>
+            </a:r>
+            <a:endParaRPr lang="en-US" dirty="0"/>
+          </a:p>
+        </p:txBody>
+      </p:sp>
+      <p:sp>
+        <p:nvSpPr>
+          <p:cNvPr id="3" name="Content Placeholder 2"/>
+          <p:cNvSpPr>
+            <a:spLocks noGrp="1"/>
+          </p:cNvSpPr>
+          <p:nvPr>
+            <p:ph idx="1"/>
+          </p:nvPr>
+        </p:nvSpPr>
+        <p:spPr/>
+        <p:txBody>
+          <a:bodyPr/>
+          <a:lstStyle/>
+          <a:p>
+            <a:r>
+              <a:rPr lang="de-CH" dirty="0" smtClean="0"/>
+              <a:t>Niemand will End-to-end Monitoring wegen:</a:t>
+            </a:r>
+          </a:p>
+          <a:p>
+            <a:pPr lvl="1"/>
+            <a:r>
+              <a:rPr lang="de-CH" dirty="0" smtClean="0"/>
+              <a:t>Verantwortlichkeit für gesamten Prozess</a:t>
+            </a:r>
+          </a:p>
+          <a:p>
+            <a:pPr lvl="1"/>
+            <a:r>
+              <a:rPr lang="de-CH" dirty="0" smtClean="0"/>
+              <a:t>Transparenz</a:t>
+            </a:r>
+            <a:endParaRPr lang="en-US" dirty="0"/>
+          </a:p>
+        </p:txBody>
+      </p:sp>
+    </p:spTree>
+    <p:extLst>
+      <p:ext uri="{BB962C8B-B14F-4D97-AF65-F5344CB8AC3E}">
+        <p14:creationId xmlns:p14="http://schemas.microsoft.com/office/powerpoint/2010/main" val="1334758709"/>
+      </p:ext>
+    </p:extLst>
+  </p:cSld>
+  <p:clrMapOvr>
+    <a:masterClrMapping/>
+  </p:clrMapOvr>
+  <p:timing>
+    <p:tnLst>
+      <p:par>
+        <p:cTn id="1" dur="indefinite" restart="never" nodeType="tmRoot"/>
+      </p:par>
+    </p:tnLst>
+  </p:timing>
+</p:sld>
+</file>
+
+<file path=ppt/slides/slide17.xml><?xml version="1.0" encoding="utf-8"?>
+<p:sld xmlns:a="http://schemas.openxmlformats.org/drawingml/2006/main" xmlns:r="http://schemas.openxmlformats.org/officeDocument/2006/relationships" xmlns:p="http://schemas.openxmlformats.org/presentationml/2006/main">
+  <p:cSld>
+    <p:spTree>
+      <p:nvGrpSpPr>
+        <p:cNvPr id="1" name=""/>
+        <p:cNvGrpSpPr/>
+        <p:nvPr/>
+      </p:nvGrpSpPr>
+      <p:grpSpPr>
+        <a:xfrm>
+          <a:off x="0" y="0"/>
+          <a:ext cx="0" cy="0"/>
+          <a:chOff x="0" y="0"/>
+          <a:chExt cx="0" cy="0"/>
+        </a:xfrm>
+      </p:grpSpPr>
+      <p:sp>
+        <p:nvSpPr>
+          <p:cNvPr id="2" name="Title 1"/>
+          <p:cNvSpPr>
+            <a:spLocks noGrp="1"/>
+          </p:cNvSpPr>
+          <p:nvPr>
+            <p:ph type="title"/>
+          </p:nvPr>
+        </p:nvSpPr>
+        <p:spPr/>
+        <p:txBody>
+          <a:bodyPr/>
+          <a:lstStyle/>
+          <a:p>
+            <a:r>
+              <a:rPr lang="de-CH" dirty="0" smtClean="0"/>
+              <a:t>Fazit (I)</a:t>
+            </a:r>
+            <a:endParaRPr lang="en-US" dirty="0"/>
+          </a:p>
+        </p:txBody>
+      </p:sp>
+      <p:sp>
+        <p:nvSpPr>
+          <p:cNvPr id="3" name="Content Placeholder 2"/>
+          <p:cNvSpPr>
+            <a:spLocks noGrp="1"/>
+          </p:cNvSpPr>
+          <p:nvPr>
+            <p:ph idx="1"/>
+          </p:nvPr>
+        </p:nvSpPr>
+        <p:spPr/>
+        <p:txBody>
+          <a:bodyPr/>
+          <a:lstStyle/>
+          <a:p>
+            <a:r>
+              <a:rPr lang="de-CH" dirty="0" smtClean="0"/>
+              <a:t>Transparenz vs. Transformabilität</a:t>
+            </a:r>
+          </a:p>
+          <a:p>
+            <a:pPr lvl="1"/>
+            <a:r>
+              <a:rPr lang="de-CH" dirty="0" smtClean="0"/>
+              <a:t>Initialer Aufbau aufwändig</a:t>
+            </a:r>
+          </a:p>
+          <a:p>
+            <a:pPr lvl="1"/>
+            <a:r>
+              <a:rPr lang="de-CH" dirty="0" smtClean="0"/>
+              <a:t>CMDB funktioniert nur theoretisch</a:t>
+            </a:r>
+          </a:p>
+          <a:p>
+            <a:pPr lvl="1"/>
+            <a:r>
+              <a:rPr lang="de-CH" dirty="0" smtClean="0"/>
+              <a:t>Wenn transparenz erreicht: rigide Change-Prozesse</a:t>
+            </a:r>
+          </a:p>
+          <a:p>
+            <a:pPr lvl="1"/>
+            <a:r>
+              <a:rPr lang="de-CH" dirty="0" smtClean="0"/>
+              <a:t>Dadurch kein sinnvolles Verhältnis</a:t>
+            </a:r>
+          </a:p>
+          <a:p>
+            <a:pPr lvl="1"/>
+            <a:r>
+              <a:rPr lang="de-CH" dirty="0" smtClean="0"/>
+              <a:t>Mögliche Lösungen: Prototyping, Continuous deployment, agiles Management</a:t>
+            </a:r>
+          </a:p>
+          <a:p>
+            <a:pPr lvl="1"/>
+            <a:endParaRPr lang="en-US" dirty="0"/>
+          </a:p>
+        </p:txBody>
+      </p:sp>
+    </p:spTree>
+    <p:extLst>
+      <p:ext uri="{BB962C8B-B14F-4D97-AF65-F5344CB8AC3E}">
+        <p14:creationId xmlns:p14="http://schemas.microsoft.com/office/powerpoint/2010/main" val="1643688277"/>
+      </p:ext>
+    </p:extLst>
+  </p:cSld>
+  <p:clrMapOvr>
+    <a:masterClrMapping/>
+  </p:clrMapOvr>
+  <p:timing>
+    <p:tnLst>
+      <p:par>
+        <p:cTn id="1" dur="indefinite" restart="never" nodeType="tmRoot"/>
+      </p:par>
+    </p:tnLst>
+  </p:timing>
+</p:sld>
+</file>
+
+<file path=ppt/slides/slide18.xml><?xml version="1.0" encoding="utf-8"?>
+<p:sld xmlns:a="http://schemas.openxmlformats.org/drawingml/2006/main" xmlns:r="http://schemas.openxmlformats.org/officeDocument/2006/relationships" xmlns:p="http://schemas.openxmlformats.org/presentationml/2006/main">
+  <p:cSld>
+    <p:spTree>
+      <p:nvGrpSpPr>
+        <p:cNvPr id="1" name=""/>
+        <p:cNvGrpSpPr/>
+        <p:nvPr/>
+      </p:nvGrpSpPr>
+      <p:grpSpPr>
+        <a:xfrm>
+          <a:off x="0" y="0"/>
+          <a:ext cx="0" cy="0"/>
+          <a:chOff x="0" y="0"/>
+          <a:chExt cx="0" cy="0"/>
+        </a:xfrm>
+      </p:grpSpPr>
+      <p:sp>
+        <p:nvSpPr>
+          <p:cNvPr id="2" name="Title 1"/>
+          <p:cNvSpPr>
+            <a:spLocks noGrp="1"/>
+          </p:cNvSpPr>
+          <p:nvPr>
+            <p:ph type="title"/>
+          </p:nvPr>
+        </p:nvSpPr>
+        <p:spPr/>
+        <p:txBody>
+          <a:bodyPr/>
+          <a:lstStyle/>
+          <a:p>
+            <a:r>
+              <a:rPr lang="de-CH" dirty="0" smtClean="0"/>
+              <a:t>Fazit (II)</a:t>
+            </a:r>
+            <a:endParaRPr lang="en-US" dirty="0"/>
+          </a:p>
+        </p:txBody>
+      </p:sp>
+      <p:sp>
+        <p:nvSpPr>
+          <p:cNvPr id="3" name="Content Placeholder 2"/>
+          <p:cNvSpPr>
+            <a:spLocks noGrp="1"/>
+          </p:cNvSpPr>
+          <p:nvPr>
+            <p:ph idx="1"/>
+          </p:nvPr>
+        </p:nvSpPr>
+        <p:spPr/>
+        <p:txBody>
+          <a:bodyPr/>
+          <a:lstStyle/>
+          <a:p>
+            <a:r>
+              <a:rPr lang="de-CH" dirty="0" smtClean="0"/>
+              <a:t>Skalierbarkeit nach unten</a:t>
+            </a:r>
+          </a:p>
+          <a:p>
+            <a:pPr lvl="1"/>
+            <a:r>
+              <a:rPr lang="de-CH" dirty="0" smtClean="0"/>
+              <a:t>Six Sigma: NEIN</a:t>
+            </a:r>
+          </a:p>
+          <a:p>
+            <a:pPr lvl="1"/>
+            <a:r>
+              <a:rPr lang="de-CH" dirty="0" smtClean="0"/>
+              <a:t>WSLAs: NEIN:</a:t>
+            </a:r>
+          </a:p>
+          <a:p>
+            <a:pPr lvl="2"/>
+            <a:r>
+              <a:rPr lang="de-CH" dirty="0" smtClean="0"/>
+              <a:t>Geringe Verbreitung</a:t>
+            </a:r>
+          </a:p>
+          <a:p>
+            <a:pPr lvl="2"/>
+            <a:r>
+              <a:rPr lang="de-CH" dirty="0" smtClean="0"/>
+              <a:t>Keine sinnvolle qualitativen Metriken</a:t>
+            </a:r>
+          </a:p>
+          <a:p>
+            <a:pPr lvl="1"/>
+            <a:r>
+              <a:rPr lang="de-CH" dirty="0" smtClean="0"/>
+              <a:t>Grundsätzlich: Tummelfeld für Consultants</a:t>
+            </a:r>
+            <a:endParaRPr lang="en-US" dirty="0"/>
+          </a:p>
+        </p:txBody>
+      </p:sp>
+    </p:spTree>
+    <p:extLst>
+      <p:ext uri="{BB962C8B-B14F-4D97-AF65-F5344CB8AC3E}">
+        <p14:creationId xmlns:p14="http://schemas.microsoft.com/office/powerpoint/2010/main" val="1670386547"/>
+      </p:ext>
+    </p:extLst>
+  </p:cSld>
+  <p:clrMapOvr>
+    <a:masterClrMapping/>
+  </p:clrMapOvr>
+  <p:timing>
+    <p:tnLst>
+      <p:par>
+        <p:cTn id="1" dur="indefinite" restart="never" nodeType="tmRoot"/>
+      </p:par>
+    </p:tnLst>
+  </p:timing>
+</p:sld>
+</file>
+
+<file path=ppt/slides/slide19.xml><?xml version="1.0" encoding="utf-8"?>
+<p:sld xmlns:a="http://schemas.openxmlformats.org/drawingml/2006/main" xmlns:r="http://schemas.openxmlformats.org/officeDocument/2006/relationships" xmlns:p="http://schemas.openxmlformats.org/presentationml/2006/main">
+  <p:cSld>
+    <p:spTree>
+      <p:nvGrpSpPr>
+        <p:cNvPr id="1" name=""/>
+        <p:cNvGrpSpPr/>
+        <p:nvPr/>
+      </p:nvGrpSpPr>
+      <p:grpSpPr>
+        <a:xfrm>
+          <a:off x="0" y="0"/>
+          <a:ext cx="0" cy="0"/>
+          <a:chOff x="0" y="0"/>
+          <a:chExt cx="0" cy="0"/>
+        </a:xfrm>
+      </p:grpSpPr>
+      <p:pic>
+        <p:nvPicPr>
+          <p:cNvPr id="4" name="Content Placeholder 3"/>
+          <p:cNvPicPr>
+            <a:picLocks noGrp="1" noChangeAspect="1"/>
+          </p:cNvPicPr>
+          <p:nvPr>
+            <p:ph idx="1"/>
+          </p:nvPr>
+        </p:nvPicPr>
+        <p:blipFill>
+          <a:blip r:embed="rId2">
+            <a:extLst>
+              <a:ext uri="{28A0092B-C50C-407E-A947-70E740481C1C}">
+                <a14:useLocalDpi xmlns:a14="http://schemas.microsoft.com/office/drawing/2010/main" val="0"/>
+              </a:ext>
+            </a:extLst>
+          </a:blip>
+          <a:stretch>
+            <a:fillRect/>
+          </a:stretch>
+        </p:blipFill>
+        <p:spPr>
+          <a:xfrm>
+            <a:off x="2039561" y="549275"/>
+            <a:ext cx="5064878" cy="5576888"/>
+          </a:xfrm>
+        </p:spPr>
+      </p:pic>
+    </p:spTree>
+    <p:extLst>
+      <p:ext uri="{BB962C8B-B14F-4D97-AF65-F5344CB8AC3E}">
+        <p14:creationId xmlns:p14="http://schemas.microsoft.com/office/powerpoint/2010/main" val="1141919704"/>
+      </p:ext>
+    </p:extLst>
+  </p:cSld>
+  <p:clrMapOvr>
+    <a:masterClrMapping/>
+  </p:clrMapOvr>
+  <p:timing>
+    <p:tnLst>
+      <p:par>
+        <p:cTn id="1" dur="indefinite" restart="never" nodeType="tmRoot"/>
+      </p:par>
+    </p:tnLst>
+  </p:timing>
+</p:sld>
+</file>
+
 <file path=ppt/slides/slide2.xml><?xml version="1.0" encoding="utf-8"?>
 <p:sld xmlns:a="http://schemas.openxmlformats.org/drawingml/2006/main" xmlns:r="http://schemas.openxmlformats.org/officeDocument/2006/relationships" xmlns:p="http://schemas.openxmlformats.org/presentationml/2006/main">
   <p:cSld>
@@ -3253,9 +4327,57 @@
         </p:nvSpPr>
         <p:spPr/>
         <p:txBody>
-          <a:bodyPr/>
-          <a:lstStyle/>
-          <a:p>
+          <a:bodyPr>
+            <a:normAutofit lnSpcReduction="10000"/>
+          </a:bodyPr>
+          <a:lstStyle/>
+          <a:p>
+            <a:r>
+              <a:rPr lang="de-CH" dirty="0" smtClean="0"/>
+              <a:t>Service Level Agreements</a:t>
+            </a:r>
+          </a:p>
+          <a:p>
+            <a:r>
+              <a:rPr lang="de-CH" dirty="0" smtClean="0"/>
+              <a:t>Service Level Objectives</a:t>
+            </a:r>
+          </a:p>
+          <a:p>
+            <a:r>
+              <a:rPr lang="de-CH" dirty="0" smtClean="0"/>
+              <a:t>Metriken/KPIs</a:t>
+            </a:r>
+          </a:p>
+          <a:p>
+            <a:r>
+              <a:rPr lang="de-CH" dirty="0" smtClean="0"/>
+              <a:t>Six Sigma</a:t>
+            </a:r>
+          </a:p>
+          <a:p>
+            <a:r>
+              <a:rPr lang="de-CH" dirty="0" smtClean="0"/>
+              <a:t>Web Service Level Agreements</a:t>
+            </a:r>
+          </a:p>
+          <a:p>
+            <a:r>
+              <a:rPr lang="de-CH" dirty="0" smtClean="0"/>
+              <a:t>IT-Leistungskataloge</a:t>
+            </a:r>
+          </a:p>
+          <a:p>
+            <a:r>
+              <a:rPr lang="de-CH" dirty="0" smtClean="0"/>
+              <a:t>Auswirkungen auf Outsourcing</a:t>
+            </a:r>
+          </a:p>
+          <a:p>
+            <a:r>
+              <a:rPr lang="de-CH" dirty="0" smtClean="0"/>
+              <a:t>Fazit</a:t>
+            </a:r>
             <a:endParaRPr lang="en-US" dirty="0"/>
           </a:p>
         </p:txBody>
@@ -3754,7 +4876,28 @@
             </a:r>
           </a:p>
           <a:p>
-            <a:endParaRPr lang="en-US" dirty="0"/>
+            <a:r>
+              <a:rPr lang="de-CH" dirty="0" smtClean="0"/>
+              <a:t>Ganzheitliche Überwachung:</a:t>
+            </a:r>
+          </a:p>
+          <a:p>
+            <a:pPr lvl="1"/>
+            <a:r>
+              <a:rPr lang="de-CH" dirty="0" smtClean="0"/>
+              <a:t>Business Service  = Summe aller involvierter IT-Services</a:t>
+            </a:r>
+          </a:p>
+          <a:p>
+            <a:pPr lvl="1"/>
+            <a:r>
+              <a:rPr lang="de-CH" dirty="0" smtClean="0"/>
+              <a:t>=&gt; IT-Services als Komponenten mit Komponenten-Metriken</a:t>
+            </a:r>
+          </a:p>
+          <a:p>
+            <a:pPr lvl="1"/>
+            <a:endParaRPr lang="de-CH" dirty="0" smtClean="0"/>
           </a:p>
         </p:txBody>
       </p:sp>
@@ -3762,6 +4905,745 @@
     <p:extLst>
       <p:ext uri="{BB962C8B-B14F-4D97-AF65-F5344CB8AC3E}">
         <p14:creationId xmlns:p14="http://schemas.microsoft.com/office/powerpoint/2010/main" val="1138651828"/>
+      </p:ext>
+    </p:extLst>
+  </p:cSld>
+  <p:clrMapOvr>
+    <a:masterClrMapping/>
+  </p:clrMapOvr>
+  <p:timing>
+    <p:tnLst>
+      <p:par>
+        <p:cTn id="1" dur="indefinite" restart="never" nodeType="tmRoot"/>
+      </p:par>
+    </p:tnLst>
+  </p:timing>
+</p:sld>
+</file>
+
+<file path=ppt/slides/slide8.xml><?xml version="1.0" encoding="utf-8"?>
+<p:sld xmlns:a="http://schemas.openxmlformats.org/drawingml/2006/main" xmlns:r="http://schemas.openxmlformats.org/officeDocument/2006/relationships" xmlns:p="http://schemas.openxmlformats.org/presentationml/2006/main">
+  <p:cSld>
+    <p:spTree>
+      <p:nvGrpSpPr>
+        <p:cNvPr id="1" name=""/>
+        <p:cNvGrpSpPr/>
+        <p:nvPr/>
+      </p:nvGrpSpPr>
+      <p:grpSpPr>
+        <a:xfrm>
+          <a:off x="0" y="0"/>
+          <a:ext cx="0" cy="0"/>
+          <a:chOff x="0" y="0"/>
+          <a:chExt cx="0" cy="0"/>
+        </a:xfrm>
+      </p:grpSpPr>
+      <p:sp>
+        <p:nvSpPr>
+          <p:cNvPr id="2" name="Title 1"/>
+          <p:cNvSpPr>
+            <a:spLocks noGrp="1"/>
+          </p:cNvSpPr>
+          <p:nvPr>
+            <p:ph type="title"/>
+          </p:nvPr>
+        </p:nvSpPr>
+        <p:spPr/>
+        <p:txBody>
+          <a:bodyPr/>
+          <a:lstStyle/>
+          <a:p>
+            <a:r>
+              <a:rPr lang="de-CH" dirty="0" smtClean="0"/>
+              <a:t>Metriken/KPIs (III)</a:t>
+            </a:r>
+            <a:endParaRPr lang="en-US" dirty="0"/>
+          </a:p>
+        </p:txBody>
+      </p:sp>
+      <p:sp>
+        <p:nvSpPr>
+          <p:cNvPr id="3" name="Content Placeholder 2"/>
+          <p:cNvSpPr>
+            <a:spLocks noGrp="1"/>
+          </p:cNvSpPr>
+          <p:nvPr>
+            <p:ph idx="1"/>
+          </p:nvPr>
+        </p:nvSpPr>
+        <p:spPr/>
+        <p:txBody>
+          <a:bodyPr/>
+          <a:lstStyle/>
+          <a:p>
+            <a:r>
+              <a:rPr lang="de-CH" dirty="0" smtClean="0"/>
+              <a:t>Service/Applikations-Modelle</a:t>
+            </a:r>
+          </a:p>
+          <a:p>
+            <a:pPr lvl="1"/>
+            <a:r>
+              <a:rPr lang="de-CH" dirty="0" smtClean="0"/>
+              <a:t>Landkarte von Services, Apps, Komponenten</a:t>
+            </a:r>
+          </a:p>
+          <a:p>
+            <a:pPr lvl="1"/>
+            <a:r>
+              <a:rPr lang="de-CH" dirty="0" smtClean="0"/>
+              <a:t>CMDB: Federation, Auto-discovery</a:t>
+            </a:r>
+            <a:endParaRPr lang="de-CH" dirty="0"/>
+          </a:p>
+          <a:p>
+            <a:r>
+              <a:rPr lang="de-CH" dirty="0" smtClean="0"/>
+              <a:t>Historische Daten</a:t>
+            </a:r>
+          </a:p>
+          <a:p>
+            <a:pPr lvl="1"/>
+            <a:r>
+              <a:rPr lang="de-CH" dirty="0" smtClean="0"/>
+              <a:t>Relevant für Neuaufbau von SLOs</a:t>
+            </a:r>
+          </a:p>
+          <a:p>
+            <a:pPr lvl="1"/>
+            <a:r>
+              <a:rPr lang="de-CH" dirty="0" smtClean="0"/>
+              <a:t>Aussagekräftige IST-Analyse für historische Performance von Komponenten</a:t>
+            </a:r>
+          </a:p>
+        </p:txBody>
+      </p:sp>
+    </p:spTree>
+    <p:extLst>
+      <p:ext uri="{BB962C8B-B14F-4D97-AF65-F5344CB8AC3E}">
+        <p14:creationId xmlns:p14="http://schemas.microsoft.com/office/powerpoint/2010/main" val="3406687590"/>
+      </p:ext>
+    </p:extLst>
+  </p:cSld>
+  <p:clrMapOvr>
+    <a:masterClrMapping/>
+  </p:clrMapOvr>
+  <p:timing>
+    <p:tnLst>
+      <p:par>
+        <p:cTn id="1" dur="indefinite" restart="never" nodeType="tmRoot"/>
+      </p:par>
+    </p:tnLst>
+  </p:timing>
+</p:sld>
+</file>
+
+<file path=ppt/slides/slide9.xml><?xml version="1.0" encoding="utf-8"?>
+<p:sld xmlns:a="http://schemas.openxmlformats.org/drawingml/2006/main" xmlns:r="http://schemas.openxmlformats.org/officeDocument/2006/relationships" xmlns:p="http://schemas.openxmlformats.org/presentationml/2006/main">
+  <p:cSld>
+    <p:spTree>
+      <p:nvGrpSpPr>
+        <p:cNvPr id="1" name=""/>
+        <p:cNvGrpSpPr/>
+        <p:nvPr/>
+      </p:nvGrpSpPr>
+      <p:grpSpPr>
+        <a:xfrm>
+          <a:off x="0" y="0"/>
+          <a:ext cx="0" cy="0"/>
+          <a:chOff x="0" y="0"/>
+          <a:chExt cx="0" cy="0"/>
+        </a:xfrm>
+      </p:grpSpPr>
+      <p:sp>
+        <p:nvSpPr>
+          <p:cNvPr id="2" name="Title 1"/>
+          <p:cNvSpPr>
+            <a:spLocks noGrp="1"/>
+          </p:cNvSpPr>
+          <p:nvPr>
+            <p:ph type="title"/>
+          </p:nvPr>
+        </p:nvSpPr>
+        <p:spPr/>
+        <p:txBody>
+          <a:bodyPr/>
+          <a:lstStyle/>
+          <a:p>
+            <a:r>
+              <a:rPr lang="de-CH" dirty="0" smtClean="0"/>
+              <a:t>Six Sigma</a:t>
+            </a:r>
+            <a:endParaRPr lang="en-US" dirty="0"/>
+          </a:p>
+        </p:txBody>
+      </p:sp>
+      <mc:AlternateContent xmlns:mc="http://schemas.openxmlformats.org/markup-compatibility/2006">
+        <mc:Choice xmlns:a14="http://schemas.microsoft.com/office/drawing/2010/main" Requires="a14">
+          <p:sp>
+            <p:nvSpPr>
+              <p:cNvPr id="3" name="Content Placeholder 2"/>
+              <p:cNvSpPr>
+                <a:spLocks noGrp="1"/>
+              </p:cNvSpPr>
+              <p:nvPr>
+                <p:ph idx="1"/>
+              </p:nvPr>
+            </p:nvSpPr>
+            <p:spPr/>
+            <p:txBody>
+              <a:bodyPr/>
+              <a:lstStyle/>
+              <a:p>
+                <a:r>
+                  <a:rPr lang="de-CH" dirty="0" smtClean="0"/>
+                  <a:t>Statistische Analyse der Performance</a:t>
+                </a:r>
+              </a:p>
+              <a:p>
+                <a:r>
+                  <a:rPr lang="de-CH" dirty="0" smtClean="0"/>
+                  <a:t>Arithmetisches Mittel zu wenig aussagekräftig</a:t>
+                </a:r>
+              </a:p>
+              <a:p>
+                <a:r>
+                  <a:rPr lang="de-CH" dirty="0" smtClean="0"/>
+                  <a:t>Darum: Min/Max-Zieldefinition</a:t>
+                </a:r>
+              </a:p>
+              <a:p>
+                <a14:m>
+                  <m:oMath xmlns:m="http://schemas.openxmlformats.org/officeDocument/2006/math">
+                    <m:r>
+                      <a:rPr lang="de-CH" b="0" i="1" smtClean="0">
+                        <a:latin typeface="Cambria Math"/>
+                      </a:rPr>
+                      <m:t>𝜇</m:t>
+                    </m:r>
+                    <m:r>
+                      <a:rPr lang="de-CH" b="0" i="1" smtClean="0">
+                        <a:latin typeface="Cambria Math"/>
+                      </a:rPr>
+                      <m:t>=</m:t>
+                    </m:r>
+                    <m:f>
+                      <m:fPr>
+                        <m:ctrlPr>
+                          <a:rPr lang="de-CH" b="0" i="1" smtClean="0">
+                            <a:latin typeface="Cambria Math"/>
+                          </a:rPr>
+                        </m:ctrlPr>
+                      </m:fPr>
+                      <m:num>
+                        <m:r>
+                          <a:rPr lang="de-CH" b="0" i="1" smtClean="0">
+                            <a:latin typeface="Cambria Math"/>
+                          </a:rPr>
+                          <m:t>1</m:t>
+                        </m:r>
+                      </m:num>
+                      <m:den>
+                        <m:r>
+                          <a:rPr lang="de-CH" b="0" i="1" smtClean="0">
+                            <a:latin typeface="Cambria Math"/>
+                          </a:rPr>
+                          <m:t>𝑛</m:t>
+                        </m:r>
+                      </m:den>
+                    </m:f>
+                    <m:nary>
+                      <m:naryPr>
+                        <m:chr m:val="∑"/>
+                        <m:ctrlPr>
+                          <a:rPr lang="de-CH" b="0" i="1" smtClean="0">
+                            <a:latin typeface="Cambria Math"/>
+                          </a:rPr>
+                        </m:ctrlPr>
+                      </m:naryPr>
+                      <m:sub>
+                        <m:r>
+                          <m:rPr>
+                            <m:brk m:alnAt="23"/>
+                          </m:rPr>
+                          <a:rPr lang="de-CH" b="0" i="1" smtClean="0">
+                            <a:latin typeface="Cambria Math"/>
+                          </a:rPr>
+                          <m:t>𝑖</m:t>
+                        </m:r>
+                        <m:r>
+                          <a:rPr lang="de-CH" b="0" i="1" smtClean="0">
+                            <a:latin typeface="Cambria Math"/>
+                          </a:rPr>
+                          <m:t>=1</m:t>
+                        </m:r>
+                      </m:sub>
+                      <m:sup>
+                        <m:r>
+                          <a:rPr lang="de-CH" b="0" i="1" smtClean="0">
+                            <a:latin typeface="Cambria Math"/>
+                          </a:rPr>
+                          <m:t>𝑛</m:t>
+                        </m:r>
+                      </m:sup>
+                      <m:e>
+                        <m:sSub>
+                          <m:sSubPr>
+                            <m:ctrlPr>
+                              <a:rPr lang="de-CH" b="0" i="1" smtClean="0">
+                                <a:latin typeface="Cambria Math"/>
+                              </a:rPr>
+                            </m:ctrlPr>
+                          </m:sSubPr>
+                          <m:e>
+                            <m:r>
+                              <a:rPr lang="de-CH" b="0" i="1" smtClean="0">
+                                <a:latin typeface="Cambria Math"/>
+                              </a:rPr>
+                              <m:t>𝑤</m:t>
+                            </m:r>
+                          </m:e>
+                          <m:sub>
+                            <m:r>
+                              <a:rPr lang="de-CH" b="0" i="1" smtClean="0">
+                                <a:latin typeface="Cambria Math"/>
+                              </a:rPr>
+                              <m:t>𝑖</m:t>
+                            </m:r>
+                          </m:sub>
+                        </m:sSub>
+                      </m:e>
+                    </m:nary>
+                  </m:oMath>
+                </a14:m>
+                <a:endParaRPr lang="en-US" dirty="0" smtClean="0"/>
+              </a:p>
+              <a:p>
+                <a14:m>
+                  <m:oMath xmlns:m="http://schemas.openxmlformats.org/officeDocument/2006/math">
+                    <m:r>
+                      <a:rPr lang="de-CH" b="0" i="1" smtClean="0">
+                        <a:latin typeface="Cambria Math"/>
+                      </a:rPr>
+                      <m:t>𝜎</m:t>
+                    </m:r>
+                    <m:r>
+                      <a:rPr lang="de-CH" b="0" i="1" smtClean="0">
+                        <a:latin typeface="Cambria Math"/>
+                      </a:rPr>
+                      <m:t>=</m:t>
+                    </m:r>
+                    <m:sSup>
+                      <m:sSupPr>
+                        <m:ctrlPr>
+                          <a:rPr lang="de-CH" b="0" i="1" smtClean="0">
+                            <a:latin typeface="Cambria Math"/>
+                          </a:rPr>
+                        </m:ctrlPr>
+                      </m:sSupPr>
+                      <m:e>
+                        <m:d>
+                          <m:dPr>
+                            <m:ctrlPr>
+                              <a:rPr lang="de-CH" b="0" i="1" smtClean="0">
+                                <a:latin typeface="Cambria Math"/>
+                              </a:rPr>
+                            </m:ctrlPr>
+                          </m:dPr>
+                          <m:e>
+                            <m:f>
+                              <m:fPr>
+                                <m:ctrlPr>
+                                  <a:rPr lang="de-CH" b="0" i="1" smtClean="0">
+                                    <a:latin typeface="Cambria Math"/>
+                                  </a:rPr>
+                                </m:ctrlPr>
+                              </m:fPr>
+                              <m:num>
+                                <m:r>
+                                  <a:rPr lang="de-CH" b="0" i="1" smtClean="0">
+                                    <a:latin typeface="Cambria Math"/>
+                                  </a:rPr>
+                                  <m:t>1</m:t>
+                                </m:r>
+                              </m:num>
+                              <m:den>
+                                <m:r>
+                                  <a:rPr lang="de-CH" b="0" i="1" smtClean="0">
+                                    <a:latin typeface="Cambria Math"/>
+                                  </a:rPr>
+                                  <m:t>𝑛</m:t>
+                                </m:r>
+                                <m:r>
+                                  <a:rPr lang="de-CH" b="0" i="1" smtClean="0">
+                                    <a:latin typeface="Cambria Math"/>
+                                  </a:rPr>
+                                  <m:t>−1</m:t>
+                                </m:r>
+                              </m:den>
+                            </m:f>
+                            <m:nary>
+                              <m:naryPr>
+                                <m:chr m:val="∑"/>
+                                <m:ctrlPr>
+                                  <a:rPr lang="de-CH" b="0" i="1" smtClean="0">
+                                    <a:latin typeface="Cambria Math"/>
+                                  </a:rPr>
+                                </m:ctrlPr>
+                              </m:naryPr>
+                              <m:sub>
+                                <m:r>
+                                  <m:rPr>
+                                    <m:brk m:alnAt="23"/>
+                                  </m:rPr>
+                                  <a:rPr lang="de-CH" b="0" i="1" smtClean="0">
+                                    <a:latin typeface="Cambria Math"/>
+                                  </a:rPr>
+                                  <m:t>𝑖</m:t>
+                                </m:r>
+                                <m:r>
+                                  <a:rPr lang="de-CH" b="0" i="1" smtClean="0">
+                                    <a:latin typeface="Cambria Math"/>
+                                  </a:rPr>
+                                  <m:t>=1</m:t>
+                                </m:r>
+                              </m:sub>
+                              <m:sup>
+                                <m:r>
+                                  <a:rPr lang="de-CH" b="0" i="1" smtClean="0">
+                                    <a:latin typeface="Cambria Math"/>
+                                  </a:rPr>
+                                  <m:t>𝑛</m:t>
+                                </m:r>
+                              </m:sup>
+                              <m:e>
+                                <m:sSup>
+                                  <m:sSupPr>
+                                    <m:ctrlPr>
+                                      <a:rPr lang="de-CH" b="0" i="1" smtClean="0">
+                                        <a:latin typeface="Cambria Math"/>
+                                      </a:rPr>
+                                    </m:ctrlPr>
+                                  </m:sSupPr>
+                                  <m:e>
+                                    <m:d>
+                                      <m:dPr>
+                                        <m:ctrlPr>
+                                          <a:rPr lang="de-CH" b="0" i="1" smtClean="0">
+                                            <a:latin typeface="Cambria Math"/>
+                                          </a:rPr>
+                                        </m:ctrlPr>
+                                      </m:dPr>
+                                      <m:e>
+                                        <m:sSub>
+                                          <m:sSubPr>
+                                            <m:ctrlPr>
+                                              <a:rPr lang="de-CH" b="0" i="1" smtClean="0">
+                                                <a:latin typeface="Cambria Math"/>
+                                              </a:rPr>
+                                            </m:ctrlPr>
+                                          </m:sSubPr>
+                                          <m:e>
+                                            <m:r>
+                                              <a:rPr lang="de-CH" b="0" i="1" smtClean="0">
+                                                <a:latin typeface="Cambria Math"/>
+                                              </a:rPr>
+                                              <m:t>𝑤</m:t>
+                                            </m:r>
+                                          </m:e>
+                                          <m:sub>
+                                            <m:r>
+                                              <a:rPr lang="de-CH" b="0" i="1" smtClean="0">
+                                                <a:latin typeface="Cambria Math"/>
+                                              </a:rPr>
+                                              <m:t>𝑖</m:t>
+                                            </m:r>
+                                          </m:sub>
+                                        </m:sSub>
+                                        <m:r>
+                                          <a:rPr lang="de-CH" b="0" i="1" smtClean="0">
+                                            <a:latin typeface="Cambria Math"/>
+                                          </a:rPr>
+                                          <m:t>−</m:t>
+                                        </m:r>
+                                        <m:r>
+                                          <a:rPr lang="de-CH" b="0" i="1" smtClean="0">
+                                            <a:latin typeface="Cambria Math"/>
+                                          </a:rPr>
+                                          <m:t>𝜇</m:t>
+                                        </m:r>
+                                      </m:e>
+                                    </m:d>
+                                  </m:e>
+                                  <m:sup>
+                                    <m:r>
+                                      <a:rPr lang="de-CH" b="0" i="1" smtClean="0">
+                                        <a:latin typeface="Cambria Math"/>
+                                      </a:rPr>
+                                      <m:t>2</m:t>
+                                    </m:r>
+                                  </m:sup>
+                                </m:sSup>
+                              </m:e>
+                            </m:nary>
+                            <m:r>
+                              <a:rPr lang="de-CH" b="0" i="1" smtClean="0">
+                                <a:latin typeface="Cambria Math"/>
+                              </a:rPr>
+                              <m:t> </m:t>
+                            </m:r>
+                          </m:e>
+                        </m:d>
+                      </m:e>
+                      <m:sup>
+                        <m:f>
+                          <m:fPr>
+                            <m:ctrlPr>
+                              <a:rPr lang="de-CH" b="0" i="1" smtClean="0">
+                                <a:latin typeface="Cambria Math"/>
+                              </a:rPr>
+                            </m:ctrlPr>
+                          </m:fPr>
+                          <m:num>
+                            <m:r>
+                              <a:rPr lang="de-CH" b="0" i="1" smtClean="0">
+                                <a:latin typeface="Cambria Math"/>
+                              </a:rPr>
+                              <m:t>1</m:t>
+                            </m:r>
+                          </m:num>
+                          <m:den>
+                            <m:r>
+                              <a:rPr lang="de-CH" b="0" i="1" smtClean="0">
+                                <a:latin typeface="Cambria Math"/>
+                              </a:rPr>
+                              <m:t>2</m:t>
+                            </m:r>
+                          </m:den>
+                        </m:f>
+                      </m:sup>
+                    </m:sSup>
+                  </m:oMath>
+                </a14:m>
+                <a:endParaRPr lang="en-US" dirty="0" smtClean="0"/>
+              </a:p>
+              <a:p>
+                <a14:m>
+                  <m:oMath xmlns:m="http://schemas.openxmlformats.org/officeDocument/2006/math">
+                    <m:r>
+                      <a:rPr lang="de-CH" b="0" i="1" smtClean="0">
+                        <a:latin typeface="Cambria Math"/>
+                      </a:rPr>
+                      <m:t>𝑥</m:t>
+                    </m:r>
+                    <m:r>
+                      <a:rPr lang="de-CH" b="0" i="1" smtClean="0">
+                        <a:latin typeface="Cambria Math"/>
+                      </a:rPr>
+                      <m:t>𝜎</m:t>
+                    </m:r>
+                    <m:r>
+                      <a:rPr lang="de-CH" b="0" i="1" smtClean="0">
+                        <a:latin typeface="Cambria Math"/>
+                      </a:rPr>
+                      <m:t>≥</m:t>
+                    </m:r>
+                    <m:r>
+                      <m:rPr>
+                        <m:sty m:val="p"/>
+                      </m:rPr>
+                      <a:rPr lang="de-CH" b="0" i="0" smtClean="0">
+                        <a:latin typeface="Cambria Math"/>
+                      </a:rPr>
+                      <m:t>min</m:t>
+                    </m:r>
+                    <m:r>
+                      <a:rPr lang="de-CH" b="0" i="1" smtClean="0">
+                        <a:latin typeface="Cambria Math"/>
+                      </a:rPr>
+                      <m:t>⁡{</m:t>
+                    </m:r>
+                    <m:sSub>
+                      <m:sSubPr>
+                        <m:ctrlPr>
+                          <a:rPr lang="de-CH" b="0" i="1" smtClean="0">
+                            <a:latin typeface="Cambria Math"/>
+                          </a:rPr>
+                        </m:ctrlPr>
+                      </m:sSubPr>
+                      <m:e>
+                        <m:r>
+                          <a:rPr lang="de-CH" b="0" i="1" smtClean="0">
+                            <a:latin typeface="Cambria Math"/>
+                          </a:rPr>
+                          <m:t>𝑤</m:t>
+                        </m:r>
+                      </m:e>
+                      <m:sub>
+                        <m:r>
+                          <m:rPr>
+                            <m:nor/>
+                          </m:rPr>
+                          <a:rPr lang="de-CH" b="0" i="0" smtClean="0">
+                            <a:latin typeface="Cambria Math"/>
+                          </a:rPr>
+                          <m:t>z</m:t>
+                        </m:r>
+                      </m:sub>
+                    </m:sSub>
+                    <m:r>
+                      <a:rPr lang="de-CH" b="0" i="1" smtClean="0">
+                        <a:latin typeface="Cambria Math"/>
+                      </a:rPr>
+                      <m:t>−</m:t>
+                    </m:r>
+                    <m:sSub>
+                      <m:sSubPr>
+                        <m:ctrlPr>
+                          <a:rPr lang="de-CH" b="0" i="1" smtClean="0">
+                            <a:latin typeface="Cambria Math"/>
+                          </a:rPr>
+                        </m:ctrlPr>
+                      </m:sSubPr>
+                      <m:e>
+                        <m:r>
+                          <a:rPr lang="de-CH" b="0" i="1" smtClean="0">
+                            <a:latin typeface="Cambria Math"/>
+                          </a:rPr>
+                          <m:t>𝑤</m:t>
+                        </m:r>
+                      </m:e>
+                      <m:sub>
+                        <m:r>
+                          <m:rPr>
+                            <m:nor/>
+                          </m:rPr>
+                          <a:rPr lang="de-CH" b="0" i="0" smtClean="0">
+                            <a:latin typeface="Cambria Math"/>
+                          </a:rPr>
+                          <m:t>min</m:t>
+                        </m:r>
+                      </m:sub>
+                    </m:sSub>
+                    <m:r>
+                      <a:rPr lang="de-CH" b="0" i="1" smtClean="0">
+                        <a:latin typeface="Cambria Math"/>
+                      </a:rPr>
+                      <m:t>, </m:t>
+                    </m:r>
+                    <m:sSub>
+                      <m:sSubPr>
+                        <m:ctrlPr>
+                          <a:rPr lang="de-CH" b="0" i="1" smtClean="0">
+                            <a:latin typeface="Cambria Math"/>
+                          </a:rPr>
+                        </m:ctrlPr>
+                      </m:sSubPr>
+                      <m:e>
+                        <m:r>
+                          <a:rPr lang="de-CH" b="0" i="1" smtClean="0">
+                            <a:latin typeface="Cambria Math"/>
+                          </a:rPr>
+                          <m:t>𝑤</m:t>
+                        </m:r>
+                      </m:e>
+                      <m:sub>
+                        <m:r>
+                          <m:rPr>
+                            <m:nor/>
+                          </m:rPr>
+                          <a:rPr lang="de-CH" b="0" i="0" smtClean="0">
+                            <a:latin typeface="Cambria Math"/>
+                          </a:rPr>
+                          <m:t>max</m:t>
+                        </m:r>
+                      </m:sub>
+                    </m:sSub>
+                    <m:r>
+                      <a:rPr lang="de-CH" b="0" i="1" smtClean="0">
+                        <a:latin typeface="Cambria Math"/>
+                      </a:rPr>
+                      <m:t>−</m:t>
+                    </m:r>
+                    <m:sSub>
+                      <m:sSubPr>
+                        <m:ctrlPr>
+                          <a:rPr lang="de-CH" b="0" i="1" smtClean="0">
+                            <a:latin typeface="Cambria Math"/>
+                          </a:rPr>
+                        </m:ctrlPr>
+                      </m:sSubPr>
+                      <m:e>
+                        <m:r>
+                          <a:rPr lang="de-CH" b="0" i="1" smtClean="0">
+                            <a:latin typeface="Cambria Math"/>
+                          </a:rPr>
+                          <m:t>𝑤</m:t>
+                        </m:r>
+                      </m:e>
+                      <m:sub>
+                        <m:r>
+                          <m:rPr>
+                            <m:nor/>
+                          </m:rPr>
+                          <a:rPr lang="de-CH" b="0" i="0" smtClean="0">
+                            <a:latin typeface="Cambria Math"/>
+                          </a:rPr>
+                          <m:t>z</m:t>
+                        </m:r>
+                      </m:sub>
+                    </m:sSub>
+                    <m:r>
+                      <a:rPr lang="de-CH" b="0" i="1" smtClean="0">
+                        <a:latin typeface="Cambria Math"/>
+                      </a:rPr>
+                      <m:t>}</m:t>
+                    </m:r>
+                  </m:oMath>
+                </a14:m>
+                <a:endParaRPr lang="en-US" dirty="0"/>
+              </a:p>
+            </p:txBody>
+          </p:sp>
+        </mc:Choice>
+        <mc:Fallback>
+          <p:sp>
+            <p:nvSpPr>
+              <p:cNvPr id="3" name="Content Placeholder 2"/>
+              <p:cNvSpPr>
+                <a:spLocks noGrp="1" noRot="1" noChangeAspect="1" noMove="1" noResize="1" noEditPoints="1" noAdjustHandles="1" noChangeArrowheads="1" noChangeShapeType="1" noTextEdit="1"/>
+              </p:cNvSpPr>
+              <p:nvPr>
+                <p:ph idx="1"/>
+              </p:nvPr>
+            </p:nvSpPr>
+            <p:spPr>
+              <a:blipFill rotWithShape="1">
+                <a:blip r:embed="rId2"/>
+                <a:stretch>
+                  <a:fillRect l="-1630" t="-1752" r="-296"/>
+                </a:stretch>
+              </a:blipFill>
+            </p:spPr>
+            <p:txBody>
+              <a:bodyPr/>
+              <a:lstStyle/>
+              <a:p>
+                <a:r>
+                  <a:rPr lang="en-US">
+                    <a:noFill/>
+                  </a:rPr>
+                  <a:t> </a:t>
+                </a:r>
+              </a:p>
+            </p:txBody>
+          </p:sp>
+        </mc:Fallback>
+      </mc:AlternateContent>
+    </p:spTree>
+    <p:extLst>
+      <p:ext uri="{BB962C8B-B14F-4D97-AF65-F5344CB8AC3E}">
+        <p14:creationId xmlns:p14="http://schemas.microsoft.com/office/powerpoint/2010/main" val="2307066376"/>
       </p:ext>
     </p:extLst>
   </p:cSld>
